--- a/Project1.pptx
+++ b/Project1.pptx
@@ -266,7 +266,7 @@
           <a:p>
             <a:fld id="{0A114A44-8E2B-4F67-A8A3-2462F48A46CC}" type="datetimeFigureOut">
               <a:rPr lang="en-US" smtClean="0"/>
-              <a:t>9/15/2021</a:t>
+              <a:t>9/16/2021</a:t>
             </a:fld>
             <a:endParaRPr lang="en-US"/>
           </a:p>
@@ -464,7 +464,7 @@
           <a:p>
             <a:fld id="{0A114A44-8E2B-4F67-A8A3-2462F48A46CC}" type="datetimeFigureOut">
               <a:rPr lang="en-US" smtClean="0"/>
-              <a:t>9/15/2021</a:t>
+              <a:t>9/16/2021</a:t>
             </a:fld>
             <a:endParaRPr lang="en-US"/>
           </a:p>
@@ -672,7 +672,7 @@
           <a:p>
             <a:fld id="{0A114A44-8E2B-4F67-A8A3-2462F48A46CC}" type="datetimeFigureOut">
               <a:rPr lang="en-US" smtClean="0"/>
-              <a:t>9/15/2021</a:t>
+              <a:t>9/16/2021</a:t>
             </a:fld>
             <a:endParaRPr lang="en-US"/>
           </a:p>
@@ -870,7 +870,7 @@
           <a:p>
             <a:fld id="{0A114A44-8E2B-4F67-A8A3-2462F48A46CC}" type="datetimeFigureOut">
               <a:rPr lang="en-US" smtClean="0"/>
-              <a:t>9/15/2021</a:t>
+              <a:t>9/16/2021</a:t>
             </a:fld>
             <a:endParaRPr lang="en-US"/>
           </a:p>
@@ -1145,7 +1145,7 @@
           <a:p>
             <a:fld id="{0A114A44-8E2B-4F67-A8A3-2462F48A46CC}" type="datetimeFigureOut">
               <a:rPr lang="en-US" smtClean="0"/>
-              <a:t>9/15/2021</a:t>
+              <a:t>9/16/2021</a:t>
             </a:fld>
             <a:endParaRPr lang="en-US"/>
           </a:p>
@@ -1410,7 +1410,7 @@
           <a:p>
             <a:fld id="{0A114A44-8E2B-4F67-A8A3-2462F48A46CC}" type="datetimeFigureOut">
               <a:rPr lang="en-US" smtClean="0"/>
-              <a:t>9/15/2021</a:t>
+              <a:t>9/16/2021</a:t>
             </a:fld>
             <a:endParaRPr lang="en-US"/>
           </a:p>
@@ -1822,7 +1822,7 @@
           <a:p>
             <a:fld id="{0A114A44-8E2B-4F67-A8A3-2462F48A46CC}" type="datetimeFigureOut">
               <a:rPr lang="en-US" smtClean="0"/>
-              <a:t>9/15/2021</a:t>
+              <a:t>9/16/2021</a:t>
             </a:fld>
             <a:endParaRPr lang="en-US"/>
           </a:p>
@@ -1963,7 +1963,7 @@
           <a:p>
             <a:fld id="{0A114A44-8E2B-4F67-A8A3-2462F48A46CC}" type="datetimeFigureOut">
               <a:rPr lang="en-US" smtClean="0"/>
-              <a:t>9/15/2021</a:t>
+              <a:t>9/16/2021</a:t>
             </a:fld>
             <a:endParaRPr lang="en-US"/>
           </a:p>
@@ -2076,7 +2076,7 @@
           <a:p>
             <a:fld id="{0A114A44-8E2B-4F67-A8A3-2462F48A46CC}" type="datetimeFigureOut">
               <a:rPr lang="en-US" smtClean="0"/>
-              <a:t>9/15/2021</a:t>
+              <a:t>9/16/2021</a:t>
             </a:fld>
             <a:endParaRPr lang="en-US"/>
           </a:p>
@@ -2387,7 +2387,7 @@
           <a:p>
             <a:fld id="{0A114A44-8E2B-4F67-A8A3-2462F48A46CC}" type="datetimeFigureOut">
               <a:rPr lang="en-US" smtClean="0"/>
-              <a:t>9/15/2021</a:t>
+              <a:t>9/16/2021</a:t>
             </a:fld>
             <a:endParaRPr lang="en-US"/>
           </a:p>
@@ -2675,7 +2675,7 @@
           <a:p>
             <a:fld id="{0A114A44-8E2B-4F67-A8A3-2462F48A46CC}" type="datetimeFigureOut">
               <a:rPr lang="en-US" smtClean="0"/>
-              <a:t>9/15/2021</a:t>
+              <a:t>9/16/2021</a:t>
             </a:fld>
             <a:endParaRPr lang="en-US"/>
           </a:p>
@@ -2916,7 +2916,7 @@
           <a:p>
             <a:fld id="{0A114A44-8E2B-4F67-A8A3-2462F48A46CC}" type="datetimeFigureOut">
               <a:rPr lang="en-US" smtClean="0"/>
-              <a:t>9/15/2021</a:t>
+              <a:t>9/16/2021</a:t>
             </a:fld>
             <a:endParaRPr lang="en-US"/>
           </a:p>
@@ -4510,7 +4510,7 @@
         </p:spPr>
         <p:txBody>
           <a:bodyPr>
-            <a:normAutofit fontScale="62500" lnSpcReduction="20000"/>
+            <a:normAutofit fontScale="70000" lnSpcReduction="20000"/>
           </a:bodyPr>
           <a:lstStyle/>
           <a:p>
@@ -4632,6 +4632,16 @@
           <a:p>
             <a:pPr lvl="2"/>
             <a:r>
+              <a:rPr lang="en-US" sz="3100">
+                <a:solidFill>
+                  <a:schemeClr val="accent2">
+                    <a:lumMod val="75000"/>
+                  </a:schemeClr>
+                </a:solidFill>
+              </a:rPr>
+              <a:t>Lightbox </a:t>
+            </a:r>
+            <a:r>
               <a:rPr lang="en-US" sz="3100" dirty="0">
                 <a:solidFill>
                   <a:schemeClr val="accent2">
@@ -4639,20 +4649,7 @@
                   </a:schemeClr>
                 </a:solidFill>
               </a:rPr>
-              <a:t>Moment.JS</a:t>
-            </a:r>
-          </a:p>
-          <a:p>
-            <a:pPr lvl="2"/>
-            <a:r>
-              <a:rPr lang="en-US" sz="3100" dirty="0">
-                <a:solidFill>
-                  <a:schemeClr val="accent2">
-                    <a:lumMod val="75000"/>
-                  </a:schemeClr>
-                </a:solidFill>
-              </a:rPr>
-              <a:t>Lightbox API (to increase size of images)</a:t>
+              <a:t>API (to increase size of images)</a:t>
             </a:r>
           </a:p>
           <a:p>

--- a/Project1.pptx
+++ b/Project1.pptx
@@ -5018,7 +5018,7 @@
                 </a:solidFill>
                 <a:hlinkClick r:id="rId2"/>
               </a:rPr>
-              <a:t>https://tonycodesnow.github.io/Project1/</a:t>
+              <a:t>https://tonycodesnow.github.io/NationalParkSearch/</a:t>
             </a:r>
             <a:endParaRPr lang="en-US" dirty="0">
               <a:solidFill>
@@ -5294,9 +5294,22 @@
                     <a:lumMod val="75000"/>
                   </a:schemeClr>
                 </a:solidFill>
+              </a:rPr>
+              <a:t>Live URL:</a:t>
+            </a:r>
+          </a:p>
+          <a:p>
+            <a:pPr lvl="1"/>
+            <a:r>
+              <a:rPr lang="en-US" dirty="0">
+                <a:solidFill>
+                  <a:schemeClr val="accent2">
+                    <a:lumMod val="75000"/>
+                  </a:schemeClr>
+                </a:solidFill>
                 <a:hlinkClick r:id="rId2"/>
               </a:rPr>
-              <a:t>https://tonycodesnow.github.io/Project1/</a:t>
+              <a:t>https://tonycodesnow.github.io/NationalParkSearch/</a:t>
             </a:r>
             <a:endParaRPr lang="en-US" dirty="0">
               <a:solidFill>
@@ -5314,10 +5327,32 @@
                     <a:lumMod val="75000"/>
                   </a:schemeClr>
                 </a:solidFill>
+              </a:rPr>
+              <a:t>GitHub Repository:</a:t>
+            </a:r>
+          </a:p>
+          <a:p>
+            <a:pPr lvl="1"/>
+            <a:r>
+              <a:rPr lang="en-US" dirty="0">
+                <a:solidFill>
+                  <a:schemeClr val="accent2">
+                    <a:lumMod val="75000"/>
+                  </a:schemeClr>
+                </a:solidFill>
                 <a:hlinkClick r:id="rId3"/>
               </a:rPr>
-              <a:t>https://github.com/Tonycodesnow/Project1</a:t>
-            </a:r>
+              <a:t>https://github.com/Tonycodesnow/NationalParkSearch</a:t>
+            </a:r>
+            <a:endParaRPr lang="en-US" dirty="0">
+              <a:solidFill>
+                <a:schemeClr val="accent2">
+                  <a:lumMod val="75000"/>
+                </a:schemeClr>
+              </a:solidFill>
+            </a:endParaRPr>
+          </a:p>
+          <a:p>
             <a:endParaRPr lang="en-US" dirty="0">
               <a:solidFill>
                 <a:schemeClr val="accent2">
